--- a/classes/ChapelHill2017/ChapelHillWorkshop2017_Fodor.pptx
+++ b/classes/ChapelHill2017/ChapelHillWorkshop2017_Fodor.pptx
@@ -22710,7 +22710,7 @@
                 <a:latin typeface="Arial" panose="020B0604020202020204" pitchFamily="34" charset="0"/>
                 <a:cs typeface="Arial" panose="020B0604020202020204" pitchFamily="34" charset="0"/>
               </a:rPr>
-              <a:t>is not as bad as lower abundances.</a:t>
+              <a:t>is not as bad as at lower abundances.</a:t>
             </a:r>
           </a:p>
         </p:txBody>
